--- a/Tutorials/NetTodoApp-Part1-BlazorWASM/Resources/Architecture.pptx
+++ b/Tutorials/NetTodoApp-Part1-BlazorWASM/Resources/Architecture.pptx
@@ -6,6 +6,7 @@
   </p:sldMasterIdLst>
   <p:sldIdLst>
     <p:sldId id="256" r:id="rId2"/>
+    <p:sldId id="257" r:id="rId3"/>
   </p:sldIdLst>
   <p:sldSz cx="12192000" cy="6858000"/>
   <p:notesSz cx="6858000" cy="9144000"/>
@@ -104,6 +105,11 @@
       </a:defRPr>
     </a:lvl9pPr>
   </p:defaultTextStyle>
+  <p:extLst>
+    <p:ext uri="{EFAFB233-063F-42B5-8137-9DF3F51BA10A}">
+      <p15:sldGuideLst xmlns:p15="http://schemas.microsoft.com/office/powerpoint/2012/main"/>
+    </p:ext>
+  </p:extLst>
 </p:presentation>
 </file>
 
@@ -256,7 +262,7 @@
           <a:p>
             <a:fld id="{ACCBDB6E-0703-4FBB-B812-31F8EA23C7EF}" type="datetimeFigureOut">
               <a:rPr lang="en-GB" smtClean="0"/>
-              <a:t>26/06/2022</a:t>
+              <a:t>23/08/2022</a:t>
             </a:fld>
             <a:endParaRPr lang="en-GB"/>
           </a:p>
@@ -456,7 +462,7 @@
           <a:p>
             <a:fld id="{ACCBDB6E-0703-4FBB-B812-31F8EA23C7EF}" type="datetimeFigureOut">
               <a:rPr lang="en-GB" smtClean="0"/>
-              <a:t>26/06/2022</a:t>
+              <a:t>23/08/2022</a:t>
             </a:fld>
             <a:endParaRPr lang="en-GB"/>
           </a:p>
@@ -666,7 +672,7 @@
           <a:p>
             <a:fld id="{ACCBDB6E-0703-4FBB-B812-31F8EA23C7EF}" type="datetimeFigureOut">
               <a:rPr lang="en-GB" smtClean="0"/>
-              <a:t>26/06/2022</a:t>
+              <a:t>23/08/2022</a:t>
             </a:fld>
             <a:endParaRPr lang="en-GB"/>
           </a:p>
@@ -866,7 +872,7 @@
           <a:p>
             <a:fld id="{ACCBDB6E-0703-4FBB-B812-31F8EA23C7EF}" type="datetimeFigureOut">
               <a:rPr lang="en-GB" smtClean="0"/>
-              <a:t>26/06/2022</a:t>
+              <a:t>23/08/2022</a:t>
             </a:fld>
             <a:endParaRPr lang="en-GB"/>
           </a:p>
@@ -1142,7 +1148,7 @@
           <a:p>
             <a:fld id="{ACCBDB6E-0703-4FBB-B812-31F8EA23C7EF}" type="datetimeFigureOut">
               <a:rPr lang="en-GB" smtClean="0"/>
-              <a:t>26/06/2022</a:t>
+              <a:t>23/08/2022</a:t>
             </a:fld>
             <a:endParaRPr lang="en-GB"/>
           </a:p>
@@ -1410,7 +1416,7 @@
           <a:p>
             <a:fld id="{ACCBDB6E-0703-4FBB-B812-31F8EA23C7EF}" type="datetimeFigureOut">
               <a:rPr lang="en-GB" smtClean="0"/>
-              <a:t>26/06/2022</a:t>
+              <a:t>23/08/2022</a:t>
             </a:fld>
             <a:endParaRPr lang="en-GB"/>
           </a:p>
@@ -1825,7 +1831,7 @@
           <a:p>
             <a:fld id="{ACCBDB6E-0703-4FBB-B812-31F8EA23C7EF}" type="datetimeFigureOut">
               <a:rPr lang="en-GB" smtClean="0"/>
-              <a:t>26/06/2022</a:t>
+              <a:t>23/08/2022</a:t>
             </a:fld>
             <a:endParaRPr lang="en-GB"/>
           </a:p>
@@ -1967,7 +1973,7 @@
           <a:p>
             <a:fld id="{ACCBDB6E-0703-4FBB-B812-31F8EA23C7EF}" type="datetimeFigureOut">
               <a:rPr lang="en-GB" smtClean="0"/>
-              <a:t>26/06/2022</a:t>
+              <a:t>23/08/2022</a:t>
             </a:fld>
             <a:endParaRPr lang="en-GB"/>
           </a:p>
@@ -2080,7 +2086,7 @@
           <a:p>
             <a:fld id="{ACCBDB6E-0703-4FBB-B812-31F8EA23C7EF}" type="datetimeFigureOut">
               <a:rPr lang="en-GB" smtClean="0"/>
-              <a:t>26/06/2022</a:t>
+              <a:t>23/08/2022</a:t>
             </a:fld>
             <a:endParaRPr lang="en-GB"/>
           </a:p>
@@ -2393,7 +2399,7 @@
           <a:p>
             <a:fld id="{ACCBDB6E-0703-4FBB-B812-31F8EA23C7EF}" type="datetimeFigureOut">
               <a:rPr lang="en-GB" smtClean="0"/>
-              <a:t>26/06/2022</a:t>
+              <a:t>23/08/2022</a:t>
             </a:fld>
             <a:endParaRPr lang="en-GB"/>
           </a:p>
@@ -2682,7 +2688,7 @@
           <a:p>
             <a:fld id="{ACCBDB6E-0703-4FBB-B812-31F8EA23C7EF}" type="datetimeFigureOut">
               <a:rPr lang="en-GB" smtClean="0"/>
-              <a:t>26/06/2022</a:t>
+              <a:t>23/08/2022</a:t>
             </a:fld>
             <a:endParaRPr lang="en-GB"/>
           </a:p>
@@ -2925,7 +2931,7 @@
           <a:p>
             <a:fld id="{ACCBDB6E-0703-4FBB-B812-31F8EA23C7EF}" type="datetimeFigureOut">
               <a:rPr lang="en-GB" smtClean="0"/>
-              <a:t>26/06/2022</a:t>
+              <a:t>23/08/2022</a:t>
             </a:fld>
             <a:endParaRPr lang="en-GB"/>
           </a:p>
@@ -4341,6 +4347,337 @@
 </p:sld>
 </file>
 
+<file path=ppt/slides/slide2.xml><?xml version="1.0" encoding="utf-8"?>
+<p:sld xmlns:a="http://schemas.openxmlformats.org/drawingml/2006/main" xmlns:r="http://schemas.openxmlformats.org/officeDocument/2006/relationships" xmlns:p="http://schemas.openxmlformats.org/presentationml/2006/main">
+  <p:cSld>
+    <p:spTree>
+      <p:nvGrpSpPr>
+        <p:cNvPr id="1" name=""/>
+        <p:cNvGrpSpPr/>
+        <p:nvPr/>
+      </p:nvGrpSpPr>
+      <p:grpSpPr>
+        <a:xfrm>
+          <a:off x="0" y="0"/>
+          <a:ext cx="0" cy="0"/>
+          <a:chOff x="0" y="0"/>
+          <a:chExt cx="0" cy="0"/>
+        </a:xfrm>
+      </p:grpSpPr>
+      <p:sp>
+        <p:nvSpPr>
+          <p:cNvPr id="7" name="Rectangle: Rounded Corners 6">
+            <a:extLst>
+              <a:ext uri="{FF2B5EF4-FFF2-40B4-BE49-F238E27FC236}">
+                <a16:creationId xmlns:a16="http://schemas.microsoft.com/office/drawing/2014/main" id="{A0183103-C8FF-4C12-A5F5-502C45EE0E95}"/>
+              </a:ext>
+            </a:extLst>
+          </p:cNvPr>
+          <p:cNvSpPr/>
+          <p:nvPr/>
+        </p:nvSpPr>
+        <p:spPr>
+          <a:xfrm>
+            <a:off x="3791256" y="3105146"/>
+            <a:ext cx="3860800" cy="1708727"/>
+          </a:xfrm>
+          <a:prstGeom prst="roundRect">
+            <a:avLst/>
+          </a:prstGeom>
+        </p:spPr>
+        <p:style>
+          <a:lnRef idx="2">
+            <a:schemeClr val="accent1">
+              <a:shade val="50000"/>
+            </a:schemeClr>
+          </a:lnRef>
+          <a:fillRef idx="1">
+            <a:schemeClr val="accent1"/>
+          </a:fillRef>
+          <a:effectRef idx="0">
+            <a:schemeClr val="accent1"/>
+          </a:effectRef>
+          <a:fontRef idx="minor">
+            <a:schemeClr val="lt1"/>
+          </a:fontRef>
+        </p:style>
+        <p:txBody>
+          <a:bodyPr rtlCol="0" anchor="ctr"/>
+          <a:lstStyle/>
+          <a:p>
+            <a:pPr algn="ctr"/>
+            <a:endParaRPr lang="en-GB"/>
+          </a:p>
+        </p:txBody>
+      </p:sp>
+      <p:sp>
+        <p:nvSpPr>
+          <p:cNvPr id="4" name="Rectangle: Rounded Corners 3">
+            <a:extLst>
+              <a:ext uri="{FF2B5EF4-FFF2-40B4-BE49-F238E27FC236}">
+                <a16:creationId xmlns:a16="http://schemas.microsoft.com/office/drawing/2014/main" id="{00CF3B89-6F99-4A3D-BF42-CED94D87626E}"/>
+              </a:ext>
+            </a:extLst>
+          </p:cNvPr>
+          <p:cNvSpPr/>
+          <p:nvPr/>
+        </p:nvSpPr>
+        <p:spPr>
+          <a:xfrm>
+            <a:off x="4021582" y="3346861"/>
+            <a:ext cx="3400147" cy="255233"/>
+          </a:xfrm>
+          <a:prstGeom prst="roundRect">
+            <a:avLst/>
+          </a:prstGeom>
+          <a:solidFill>
+            <a:schemeClr val="bg1">
+              <a:lumMod val="85000"/>
+            </a:schemeClr>
+          </a:solidFill>
+        </p:spPr>
+        <p:style>
+          <a:lnRef idx="2">
+            <a:schemeClr val="accent1">
+              <a:shade val="50000"/>
+            </a:schemeClr>
+          </a:lnRef>
+          <a:fillRef idx="1">
+            <a:schemeClr val="accent1"/>
+          </a:fillRef>
+          <a:effectRef idx="0">
+            <a:schemeClr val="accent1"/>
+          </a:effectRef>
+          <a:fontRef idx="minor">
+            <a:schemeClr val="lt1"/>
+          </a:fontRef>
+        </p:style>
+        <p:txBody>
+          <a:bodyPr rtlCol="0" anchor="ctr"/>
+          <a:lstStyle/>
+          <a:p>
+            <a:pPr algn="ctr"/>
+            <a:r>
+              <a:rPr lang="da-DK" dirty="0" err="1">
+                <a:solidFill>
+                  <a:schemeClr val="tx1"/>
+                </a:solidFill>
+              </a:rPr>
+              <a:t>Logic</a:t>
+            </a:r>
+            <a:r>
+              <a:rPr lang="da-DK" dirty="0">
+                <a:solidFill>
+                  <a:schemeClr val="tx1"/>
+                </a:solidFill>
+              </a:rPr>
+              <a:t> interfaces</a:t>
+            </a:r>
+            <a:endParaRPr lang="en-GB" dirty="0">
+              <a:solidFill>
+                <a:schemeClr val="tx1"/>
+              </a:solidFill>
+            </a:endParaRPr>
+          </a:p>
+        </p:txBody>
+      </p:sp>
+      <p:sp>
+        <p:nvSpPr>
+          <p:cNvPr id="5" name="Rectangle: Rounded Corners 4">
+            <a:extLst>
+              <a:ext uri="{FF2B5EF4-FFF2-40B4-BE49-F238E27FC236}">
+                <a16:creationId xmlns:a16="http://schemas.microsoft.com/office/drawing/2014/main" id="{9374BB38-4557-4185-9581-E5C405E7CD54}"/>
+              </a:ext>
+            </a:extLst>
+          </p:cNvPr>
+          <p:cNvSpPr/>
+          <p:nvPr/>
+        </p:nvSpPr>
+        <p:spPr>
+          <a:xfrm>
+            <a:off x="4021581" y="3666457"/>
+            <a:ext cx="3400147" cy="506027"/>
+          </a:xfrm>
+          <a:prstGeom prst="roundRect">
+            <a:avLst/>
+          </a:prstGeom>
+          <a:solidFill>
+            <a:schemeClr val="accent6">
+              <a:lumMod val="40000"/>
+              <a:lumOff val="60000"/>
+            </a:schemeClr>
+          </a:solidFill>
+          <a:ln>
+            <a:solidFill>
+              <a:schemeClr val="accent6"/>
+            </a:solidFill>
+          </a:ln>
+        </p:spPr>
+        <p:style>
+          <a:lnRef idx="2">
+            <a:schemeClr val="accent1">
+              <a:shade val="50000"/>
+            </a:schemeClr>
+          </a:lnRef>
+          <a:fillRef idx="1">
+            <a:schemeClr val="accent1"/>
+          </a:fillRef>
+          <a:effectRef idx="0">
+            <a:schemeClr val="accent1"/>
+          </a:effectRef>
+          <a:fontRef idx="minor">
+            <a:schemeClr val="lt1"/>
+          </a:fontRef>
+        </p:style>
+        <p:txBody>
+          <a:bodyPr rtlCol="0" anchor="ctr"/>
+          <a:lstStyle/>
+          <a:p>
+            <a:pPr algn="ctr"/>
+            <a:r>
+              <a:rPr lang="da-DK" dirty="0" err="1">
+                <a:solidFill>
+                  <a:schemeClr val="tx1"/>
+                </a:solidFill>
+              </a:rPr>
+              <a:t>Logic</a:t>
+            </a:r>
+            <a:r>
+              <a:rPr lang="da-DK" dirty="0">
+                <a:solidFill>
+                  <a:schemeClr val="tx1"/>
+                </a:solidFill>
+              </a:rPr>
+              <a:t> </a:t>
+            </a:r>
+            <a:r>
+              <a:rPr lang="da-DK" dirty="0" err="1">
+                <a:solidFill>
+                  <a:schemeClr val="tx1"/>
+                </a:solidFill>
+              </a:rPr>
+              <a:t>implementations</a:t>
+            </a:r>
+            <a:endParaRPr lang="en-GB" dirty="0">
+              <a:solidFill>
+                <a:schemeClr val="tx1"/>
+              </a:solidFill>
+            </a:endParaRPr>
+          </a:p>
+        </p:txBody>
+      </p:sp>
+      <p:sp>
+        <p:nvSpPr>
+          <p:cNvPr id="6" name="Rectangle: Rounded Corners 5">
+            <a:extLst>
+              <a:ext uri="{FF2B5EF4-FFF2-40B4-BE49-F238E27FC236}">
+                <a16:creationId xmlns:a16="http://schemas.microsoft.com/office/drawing/2014/main" id="{C696036A-249F-4C5D-9321-ADD959282159}"/>
+              </a:ext>
+            </a:extLst>
+          </p:cNvPr>
+          <p:cNvSpPr/>
+          <p:nvPr/>
+        </p:nvSpPr>
+        <p:spPr>
+          <a:xfrm>
+            <a:off x="4021581" y="4249052"/>
+            <a:ext cx="3400147" cy="255233"/>
+          </a:xfrm>
+          <a:prstGeom prst="roundRect">
+            <a:avLst/>
+          </a:prstGeom>
+          <a:solidFill>
+            <a:schemeClr val="bg1">
+              <a:lumMod val="85000"/>
+            </a:schemeClr>
+          </a:solidFill>
+        </p:spPr>
+        <p:style>
+          <a:lnRef idx="2">
+            <a:schemeClr val="accent1">
+              <a:shade val="50000"/>
+            </a:schemeClr>
+          </a:lnRef>
+          <a:fillRef idx="1">
+            <a:schemeClr val="accent1"/>
+          </a:fillRef>
+          <a:effectRef idx="0">
+            <a:schemeClr val="accent1"/>
+          </a:effectRef>
+          <a:fontRef idx="minor">
+            <a:schemeClr val="lt1"/>
+          </a:fontRef>
+        </p:style>
+        <p:txBody>
+          <a:bodyPr rtlCol="0" anchor="ctr"/>
+          <a:lstStyle/>
+          <a:p>
+            <a:pPr algn="ctr"/>
+            <a:r>
+              <a:rPr lang="da-DK" dirty="0">
+                <a:solidFill>
+                  <a:schemeClr val="tx1"/>
+                </a:solidFill>
+              </a:rPr>
+              <a:t>DAO interfaces</a:t>
+            </a:r>
+            <a:endParaRPr lang="en-GB" dirty="0">
+              <a:solidFill>
+                <a:schemeClr val="tx1"/>
+              </a:solidFill>
+            </a:endParaRPr>
+          </a:p>
+        </p:txBody>
+      </p:sp>
+      <p:sp>
+        <p:nvSpPr>
+          <p:cNvPr id="8" name="TextBox 7">
+            <a:extLst>
+              <a:ext uri="{FF2B5EF4-FFF2-40B4-BE49-F238E27FC236}">
+                <a16:creationId xmlns:a16="http://schemas.microsoft.com/office/drawing/2014/main" id="{88F4AB81-3CDC-403D-ADD8-04B70753A7F3}"/>
+              </a:ext>
+            </a:extLst>
+          </p:cNvPr>
+          <p:cNvSpPr txBox="1"/>
+          <p:nvPr/>
+        </p:nvSpPr>
+        <p:spPr>
+          <a:xfrm>
+            <a:off x="4532901" y="2750346"/>
+            <a:ext cx="2377510" cy="369332"/>
+          </a:xfrm>
+          <a:prstGeom prst="rect">
+            <a:avLst/>
+          </a:prstGeom>
+          <a:noFill/>
+        </p:spPr>
+        <p:txBody>
+          <a:bodyPr wrap="none" rtlCol="0">
+            <a:spAutoFit/>
+          </a:bodyPr>
+          <a:lstStyle/>
+          <a:p>
+            <a:r>
+              <a:rPr lang="da-DK" dirty="0"/>
+              <a:t>Application component</a:t>
+            </a:r>
+            <a:endParaRPr lang="en-GB" dirty="0"/>
+          </a:p>
+        </p:txBody>
+      </p:sp>
+    </p:spTree>
+    <p:extLst>
+      <p:ext uri="{BB962C8B-B14F-4D97-AF65-F5344CB8AC3E}">
+        <p14:creationId xmlns:p14="http://schemas.microsoft.com/office/powerpoint/2010/main" val="448422273"/>
+      </p:ext>
+    </p:extLst>
+  </p:cSld>
+  <p:clrMapOvr>
+    <a:masterClrMapping/>
+  </p:clrMapOvr>
+</p:sld>
+</file>
+
 <file path=ppt/theme/theme1.xml><?xml version="1.0" encoding="utf-8"?>
 <a:theme xmlns:a="http://schemas.openxmlformats.org/drawingml/2006/main" name="Office Theme">
   <a:themeElements>

--- a/Tutorials/NetTodoApp-Part1-BlazorWASM/Resources/Architecture.pptx
+++ b/Tutorials/NetTodoApp-Part1-BlazorWASM/Resources/Architecture.pptx
@@ -7,6 +7,7 @@
   <p:sldIdLst>
     <p:sldId id="256" r:id="rId2"/>
     <p:sldId id="257" r:id="rId3"/>
+    <p:sldId id="258" r:id="rId4"/>
   </p:sldIdLst>
   <p:sldSz cx="12192000" cy="6858000"/>
   <p:notesSz cx="6858000" cy="9144000"/>
@@ -262,7 +263,7 @@
           <a:p>
             <a:fld id="{ACCBDB6E-0703-4FBB-B812-31F8EA23C7EF}" type="datetimeFigureOut">
               <a:rPr lang="en-GB" smtClean="0"/>
-              <a:t>23/08/2022</a:t>
+              <a:t>25/08/2022</a:t>
             </a:fld>
             <a:endParaRPr lang="en-GB"/>
           </a:p>
@@ -462,7 +463,7 @@
           <a:p>
             <a:fld id="{ACCBDB6E-0703-4FBB-B812-31F8EA23C7EF}" type="datetimeFigureOut">
               <a:rPr lang="en-GB" smtClean="0"/>
-              <a:t>23/08/2022</a:t>
+              <a:t>25/08/2022</a:t>
             </a:fld>
             <a:endParaRPr lang="en-GB"/>
           </a:p>
@@ -672,7 +673,7 @@
           <a:p>
             <a:fld id="{ACCBDB6E-0703-4FBB-B812-31F8EA23C7EF}" type="datetimeFigureOut">
               <a:rPr lang="en-GB" smtClean="0"/>
-              <a:t>23/08/2022</a:t>
+              <a:t>25/08/2022</a:t>
             </a:fld>
             <a:endParaRPr lang="en-GB"/>
           </a:p>
@@ -872,7 +873,7 @@
           <a:p>
             <a:fld id="{ACCBDB6E-0703-4FBB-B812-31F8EA23C7EF}" type="datetimeFigureOut">
               <a:rPr lang="en-GB" smtClean="0"/>
-              <a:t>23/08/2022</a:t>
+              <a:t>25/08/2022</a:t>
             </a:fld>
             <a:endParaRPr lang="en-GB"/>
           </a:p>
@@ -1148,7 +1149,7 @@
           <a:p>
             <a:fld id="{ACCBDB6E-0703-4FBB-B812-31F8EA23C7EF}" type="datetimeFigureOut">
               <a:rPr lang="en-GB" smtClean="0"/>
-              <a:t>23/08/2022</a:t>
+              <a:t>25/08/2022</a:t>
             </a:fld>
             <a:endParaRPr lang="en-GB"/>
           </a:p>
@@ -1416,7 +1417,7 @@
           <a:p>
             <a:fld id="{ACCBDB6E-0703-4FBB-B812-31F8EA23C7EF}" type="datetimeFigureOut">
               <a:rPr lang="en-GB" smtClean="0"/>
-              <a:t>23/08/2022</a:t>
+              <a:t>25/08/2022</a:t>
             </a:fld>
             <a:endParaRPr lang="en-GB"/>
           </a:p>
@@ -1831,7 +1832,7 @@
           <a:p>
             <a:fld id="{ACCBDB6E-0703-4FBB-B812-31F8EA23C7EF}" type="datetimeFigureOut">
               <a:rPr lang="en-GB" smtClean="0"/>
-              <a:t>23/08/2022</a:t>
+              <a:t>25/08/2022</a:t>
             </a:fld>
             <a:endParaRPr lang="en-GB"/>
           </a:p>
@@ -1973,7 +1974,7 @@
           <a:p>
             <a:fld id="{ACCBDB6E-0703-4FBB-B812-31F8EA23C7EF}" type="datetimeFigureOut">
               <a:rPr lang="en-GB" smtClean="0"/>
-              <a:t>23/08/2022</a:t>
+              <a:t>25/08/2022</a:t>
             </a:fld>
             <a:endParaRPr lang="en-GB"/>
           </a:p>
@@ -2086,7 +2087,7 @@
           <a:p>
             <a:fld id="{ACCBDB6E-0703-4FBB-B812-31F8EA23C7EF}" type="datetimeFigureOut">
               <a:rPr lang="en-GB" smtClean="0"/>
-              <a:t>23/08/2022</a:t>
+              <a:t>25/08/2022</a:t>
             </a:fld>
             <a:endParaRPr lang="en-GB"/>
           </a:p>
@@ -2399,7 +2400,7 @@
           <a:p>
             <a:fld id="{ACCBDB6E-0703-4FBB-B812-31F8EA23C7EF}" type="datetimeFigureOut">
               <a:rPr lang="en-GB" smtClean="0"/>
-              <a:t>23/08/2022</a:t>
+              <a:t>25/08/2022</a:t>
             </a:fld>
             <a:endParaRPr lang="en-GB"/>
           </a:p>
@@ -2688,7 +2689,7 @@
           <a:p>
             <a:fld id="{ACCBDB6E-0703-4FBB-B812-31F8EA23C7EF}" type="datetimeFigureOut">
               <a:rPr lang="en-GB" smtClean="0"/>
-              <a:t>23/08/2022</a:t>
+              <a:t>25/08/2022</a:t>
             </a:fld>
             <a:endParaRPr lang="en-GB"/>
           </a:p>
@@ -2931,7 +2932,7 @@
           <a:p>
             <a:fld id="{ACCBDB6E-0703-4FBB-B812-31F8EA23C7EF}" type="datetimeFigureOut">
               <a:rPr lang="en-GB" smtClean="0"/>
-              <a:t>23/08/2022</a:t>
+              <a:t>25/08/2022</a:t>
             </a:fld>
             <a:endParaRPr lang="en-GB"/>
           </a:p>
@@ -4678,6 +4679,36 @@
 </p:sld>
 </file>
 
+<file path=ppt/slides/slide3.xml><?xml version="1.0" encoding="utf-8"?>
+<p:sld xmlns:a="http://schemas.openxmlformats.org/drawingml/2006/main" xmlns:r="http://schemas.openxmlformats.org/officeDocument/2006/relationships" xmlns:p="http://schemas.openxmlformats.org/presentationml/2006/main">
+  <p:cSld>
+    <p:spTree>
+      <p:nvGrpSpPr>
+        <p:cNvPr id="1" name=""/>
+        <p:cNvGrpSpPr/>
+        <p:nvPr/>
+      </p:nvGrpSpPr>
+      <p:grpSpPr>
+        <a:xfrm>
+          <a:off x="0" y="0"/>
+          <a:ext cx="0" cy="0"/>
+          <a:chOff x="0" y="0"/>
+          <a:chExt cx="0" cy="0"/>
+        </a:xfrm>
+      </p:grpSpPr>
+    </p:spTree>
+    <p:extLst>
+      <p:ext uri="{BB962C8B-B14F-4D97-AF65-F5344CB8AC3E}">
+        <p14:creationId xmlns:p14="http://schemas.microsoft.com/office/powerpoint/2010/main" val="803760976"/>
+      </p:ext>
+    </p:extLst>
+  </p:cSld>
+  <p:clrMapOvr>
+    <a:masterClrMapping/>
+  </p:clrMapOvr>
+</p:sld>
+</file>
+
 <file path=ppt/theme/theme1.xml><?xml version="1.0" encoding="utf-8"?>
 <a:theme xmlns:a="http://schemas.openxmlformats.org/drawingml/2006/main" name="Office Theme">
   <a:themeElements>

--- a/Tutorials/NetTodoApp-Part1-BlazorWASM/Resources/Architecture.pptx
+++ b/Tutorials/NetTodoApp-Part1-BlazorWASM/Resources/Architecture.pptx
@@ -263,7 +263,7 @@
           <a:p>
             <a:fld id="{ACCBDB6E-0703-4FBB-B812-31F8EA23C7EF}" type="datetimeFigureOut">
               <a:rPr lang="en-GB" smtClean="0"/>
-              <a:t>25/08/2022</a:t>
+              <a:t>29/08/2022</a:t>
             </a:fld>
             <a:endParaRPr lang="en-GB"/>
           </a:p>
@@ -463,7 +463,7 @@
           <a:p>
             <a:fld id="{ACCBDB6E-0703-4FBB-B812-31F8EA23C7EF}" type="datetimeFigureOut">
               <a:rPr lang="en-GB" smtClean="0"/>
-              <a:t>25/08/2022</a:t>
+              <a:t>29/08/2022</a:t>
             </a:fld>
             <a:endParaRPr lang="en-GB"/>
           </a:p>
@@ -673,7 +673,7 @@
           <a:p>
             <a:fld id="{ACCBDB6E-0703-4FBB-B812-31F8EA23C7EF}" type="datetimeFigureOut">
               <a:rPr lang="en-GB" smtClean="0"/>
-              <a:t>25/08/2022</a:t>
+              <a:t>29/08/2022</a:t>
             </a:fld>
             <a:endParaRPr lang="en-GB"/>
           </a:p>
@@ -873,7 +873,7 @@
           <a:p>
             <a:fld id="{ACCBDB6E-0703-4FBB-B812-31F8EA23C7EF}" type="datetimeFigureOut">
               <a:rPr lang="en-GB" smtClean="0"/>
-              <a:t>25/08/2022</a:t>
+              <a:t>29/08/2022</a:t>
             </a:fld>
             <a:endParaRPr lang="en-GB"/>
           </a:p>
@@ -1149,7 +1149,7 @@
           <a:p>
             <a:fld id="{ACCBDB6E-0703-4FBB-B812-31F8EA23C7EF}" type="datetimeFigureOut">
               <a:rPr lang="en-GB" smtClean="0"/>
-              <a:t>25/08/2022</a:t>
+              <a:t>29/08/2022</a:t>
             </a:fld>
             <a:endParaRPr lang="en-GB"/>
           </a:p>
@@ -1417,7 +1417,7 @@
           <a:p>
             <a:fld id="{ACCBDB6E-0703-4FBB-B812-31F8EA23C7EF}" type="datetimeFigureOut">
               <a:rPr lang="en-GB" smtClean="0"/>
-              <a:t>25/08/2022</a:t>
+              <a:t>29/08/2022</a:t>
             </a:fld>
             <a:endParaRPr lang="en-GB"/>
           </a:p>
@@ -1832,7 +1832,7 @@
           <a:p>
             <a:fld id="{ACCBDB6E-0703-4FBB-B812-31F8EA23C7EF}" type="datetimeFigureOut">
               <a:rPr lang="en-GB" smtClean="0"/>
-              <a:t>25/08/2022</a:t>
+              <a:t>29/08/2022</a:t>
             </a:fld>
             <a:endParaRPr lang="en-GB"/>
           </a:p>
@@ -1974,7 +1974,7 @@
           <a:p>
             <a:fld id="{ACCBDB6E-0703-4FBB-B812-31F8EA23C7EF}" type="datetimeFigureOut">
               <a:rPr lang="en-GB" smtClean="0"/>
-              <a:t>25/08/2022</a:t>
+              <a:t>29/08/2022</a:t>
             </a:fld>
             <a:endParaRPr lang="en-GB"/>
           </a:p>
@@ -2087,7 +2087,7 @@
           <a:p>
             <a:fld id="{ACCBDB6E-0703-4FBB-B812-31F8EA23C7EF}" type="datetimeFigureOut">
               <a:rPr lang="en-GB" smtClean="0"/>
-              <a:t>25/08/2022</a:t>
+              <a:t>29/08/2022</a:t>
             </a:fld>
             <a:endParaRPr lang="en-GB"/>
           </a:p>
@@ -2400,7 +2400,7 @@
           <a:p>
             <a:fld id="{ACCBDB6E-0703-4FBB-B812-31F8EA23C7EF}" type="datetimeFigureOut">
               <a:rPr lang="en-GB" smtClean="0"/>
-              <a:t>25/08/2022</a:t>
+              <a:t>29/08/2022</a:t>
             </a:fld>
             <a:endParaRPr lang="en-GB"/>
           </a:p>
@@ -2689,7 +2689,7 @@
           <a:p>
             <a:fld id="{ACCBDB6E-0703-4FBB-B812-31F8EA23C7EF}" type="datetimeFigureOut">
               <a:rPr lang="en-GB" smtClean="0"/>
-              <a:t>25/08/2022</a:t>
+              <a:t>29/08/2022</a:t>
             </a:fld>
             <a:endParaRPr lang="en-GB"/>
           </a:p>
@@ -2932,7 +2932,7 @@
           <a:p>
             <a:fld id="{ACCBDB6E-0703-4FBB-B812-31F8EA23C7EF}" type="datetimeFigureOut">
               <a:rPr lang="en-GB" smtClean="0"/>
-              <a:t>25/08/2022</a:t>
+              <a:t>29/08/2022</a:t>
             </a:fld>
             <a:endParaRPr lang="en-GB"/>
           </a:p>
@@ -4696,6 +4696,408 @@
           <a:chExt cx="0" cy="0"/>
         </a:xfrm>
       </p:grpSpPr>
+      <p:sp>
+        <p:nvSpPr>
+          <p:cNvPr id="4" name="Rectangle: Rounded Corners 3">
+            <a:extLst>
+              <a:ext uri="{FF2B5EF4-FFF2-40B4-BE49-F238E27FC236}">
+                <a16:creationId xmlns:a16="http://schemas.microsoft.com/office/drawing/2014/main" id="{B1EA98D5-ADDD-434C-B7E6-33A5C4B25646}"/>
+              </a:ext>
+            </a:extLst>
+          </p:cNvPr>
+          <p:cNvSpPr/>
+          <p:nvPr/>
+        </p:nvSpPr>
+        <p:spPr>
+          <a:xfrm>
+            <a:off x="4021585" y="2766135"/>
+            <a:ext cx="3400147" cy="506027"/>
+          </a:xfrm>
+          <a:prstGeom prst="roundRect">
+            <a:avLst/>
+          </a:prstGeom>
+          <a:solidFill>
+            <a:schemeClr val="accent6">
+              <a:lumMod val="20000"/>
+              <a:lumOff val="80000"/>
+            </a:schemeClr>
+          </a:solidFill>
+          <a:ln>
+            <a:solidFill>
+              <a:schemeClr val="accent6"/>
+            </a:solidFill>
+          </a:ln>
+        </p:spPr>
+        <p:style>
+          <a:lnRef idx="2">
+            <a:schemeClr val="accent1">
+              <a:shade val="50000"/>
+            </a:schemeClr>
+          </a:lnRef>
+          <a:fillRef idx="1">
+            <a:schemeClr val="accent1"/>
+          </a:fillRef>
+          <a:effectRef idx="0">
+            <a:schemeClr val="accent1"/>
+          </a:effectRef>
+          <a:fontRef idx="minor">
+            <a:schemeClr val="lt1"/>
+          </a:fontRef>
+        </p:style>
+        <p:txBody>
+          <a:bodyPr rtlCol="0" anchor="ctr"/>
+          <a:lstStyle/>
+          <a:p>
+            <a:pPr algn="ctr"/>
+            <a:r>
+              <a:rPr lang="da-DK" dirty="0">
+                <a:solidFill>
+                  <a:schemeClr val="tx1"/>
+                </a:solidFill>
+              </a:rPr>
+              <a:t>REST Controllers</a:t>
+            </a:r>
+            <a:endParaRPr lang="en-GB" dirty="0">
+              <a:solidFill>
+                <a:schemeClr val="tx1"/>
+              </a:solidFill>
+            </a:endParaRPr>
+          </a:p>
+        </p:txBody>
+      </p:sp>
+      <p:sp>
+        <p:nvSpPr>
+          <p:cNvPr id="6" name="Rectangle: Rounded Corners 5">
+            <a:extLst>
+              <a:ext uri="{FF2B5EF4-FFF2-40B4-BE49-F238E27FC236}">
+                <a16:creationId xmlns:a16="http://schemas.microsoft.com/office/drawing/2014/main" id="{C0BD76BD-27E5-4EF7-90E2-6CF55C9D5B3F}"/>
+              </a:ext>
+            </a:extLst>
+          </p:cNvPr>
+          <p:cNvSpPr/>
+          <p:nvPr/>
+        </p:nvSpPr>
+        <p:spPr>
+          <a:xfrm>
+            <a:off x="4021581" y="3332825"/>
+            <a:ext cx="3400147" cy="506027"/>
+          </a:xfrm>
+          <a:prstGeom prst="roundRect">
+            <a:avLst/>
+          </a:prstGeom>
+          <a:solidFill>
+            <a:schemeClr val="accent6">
+              <a:lumMod val="40000"/>
+              <a:lumOff val="60000"/>
+            </a:schemeClr>
+          </a:solidFill>
+          <a:ln>
+            <a:solidFill>
+              <a:schemeClr val="accent6"/>
+            </a:solidFill>
+          </a:ln>
+        </p:spPr>
+        <p:style>
+          <a:lnRef idx="2">
+            <a:schemeClr val="accent1">
+              <a:shade val="50000"/>
+            </a:schemeClr>
+          </a:lnRef>
+          <a:fillRef idx="1">
+            <a:schemeClr val="accent1"/>
+          </a:fillRef>
+          <a:effectRef idx="0">
+            <a:schemeClr val="accent1"/>
+          </a:effectRef>
+          <a:fontRef idx="minor">
+            <a:schemeClr val="lt1"/>
+          </a:fontRef>
+        </p:style>
+        <p:txBody>
+          <a:bodyPr rtlCol="0" anchor="ctr"/>
+          <a:lstStyle/>
+          <a:p>
+            <a:pPr algn="ctr"/>
+            <a:r>
+              <a:rPr lang="da-DK" dirty="0">
+                <a:solidFill>
+                  <a:schemeClr val="tx1"/>
+                </a:solidFill>
+              </a:rPr>
+              <a:t>Domain </a:t>
+            </a:r>
+            <a:r>
+              <a:rPr lang="da-DK" dirty="0" err="1">
+                <a:solidFill>
+                  <a:schemeClr val="tx1"/>
+                </a:solidFill>
+              </a:rPr>
+              <a:t>logic</a:t>
+            </a:r>
+            <a:endParaRPr lang="en-GB" dirty="0">
+              <a:solidFill>
+                <a:schemeClr val="tx1"/>
+              </a:solidFill>
+            </a:endParaRPr>
+          </a:p>
+        </p:txBody>
+      </p:sp>
+      <p:sp>
+        <p:nvSpPr>
+          <p:cNvPr id="8" name="Rectangle: Rounded Corners 7">
+            <a:extLst>
+              <a:ext uri="{FF2B5EF4-FFF2-40B4-BE49-F238E27FC236}">
+                <a16:creationId xmlns:a16="http://schemas.microsoft.com/office/drawing/2014/main" id="{901A162A-96F5-4996-9260-5594651E63A2}"/>
+              </a:ext>
+            </a:extLst>
+          </p:cNvPr>
+          <p:cNvSpPr/>
+          <p:nvPr/>
+        </p:nvSpPr>
+        <p:spPr>
+          <a:xfrm>
+            <a:off x="4021581" y="3899515"/>
+            <a:ext cx="3400147" cy="506027"/>
+          </a:xfrm>
+          <a:prstGeom prst="roundRect">
+            <a:avLst/>
+          </a:prstGeom>
+          <a:solidFill>
+            <a:schemeClr val="accent6">
+              <a:lumMod val="60000"/>
+              <a:lumOff val="40000"/>
+            </a:schemeClr>
+          </a:solidFill>
+          <a:ln>
+            <a:solidFill>
+              <a:schemeClr val="accent6"/>
+            </a:solidFill>
+          </a:ln>
+        </p:spPr>
+        <p:style>
+          <a:lnRef idx="2">
+            <a:schemeClr val="accent1">
+              <a:shade val="50000"/>
+            </a:schemeClr>
+          </a:lnRef>
+          <a:fillRef idx="1">
+            <a:schemeClr val="accent1"/>
+          </a:fillRef>
+          <a:effectRef idx="0">
+            <a:schemeClr val="accent1"/>
+          </a:effectRef>
+          <a:fontRef idx="minor">
+            <a:schemeClr val="lt1"/>
+          </a:fontRef>
+        </p:style>
+        <p:txBody>
+          <a:bodyPr rtlCol="0" anchor="ctr"/>
+          <a:lstStyle/>
+          <a:p>
+            <a:pPr algn="ctr"/>
+            <a:r>
+              <a:rPr lang="da-DK" dirty="0">
+                <a:solidFill>
+                  <a:schemeClr val="tx1"/>
+                </a:solidFill>
+              </a:rPr>
+              <a:t>Data Access</a:t>
+            </a:r>
+            <a:endParaRPr lang="en-GB" dirty="0">
+              <a:solidFill>
+                <a:schemeClr val="tx1"/>
+              </a:solidFill>
+            </a:endParaRPr>
+          </a:p>
+        </p:txBody>
+      </p:sp>
+      <p:sp>
+        <p:nvSpPr>
+          <p:cNvPr id="9" name="Right Brace 8">
+            <a:extLst>
+              <a:ext uri="{FF2B5EF4-FFF2-40B4-BE49-F238E27FC236}">
+                <a16:creationId xmlns:a16="http://schemas.microsoft.com/office/drawing/2014/main" id="{6603F8FF-140D-417A-B37E-207DAD59B06F}"/>
+              </a:ext>
+            </a:extLst>
+          </p:cNvPr>
+          <p:cNvSpPr/>
+          <p:nvPr/>
+        </p:nvSpPr>
+        <p:spPr>
+          <a:xfrm>
+            <a:off x="7484533" y="2766135"/>
+            <a:ext cx="486139" cy="1072717"/>
+          </a:xfrm>
+          <a:prstGeom prst="rightBrace">
+            <a:avLst>
+              <a:gd name="adj1" fmla="val 8333"/>
+              <a:gd name="adj2" fmla="val 25533"/>
+            </a:avLst>
+          </a:prstGeom>
+        </p:spPr>
+        <p:style>
+          <a:lnRef idx="1">
+            <a:schemeClr val="accent1"/>
+          </a:lnRef>
+          <a:fillRef idx="0">
+            <a:schemeClr val="accent1"/>
+          </a:fillRef>
+          <a:effectRef idx="0">
+            <a:schemeClr val="accent1"/>
+          </a:effectRef>
+          <a:fontRef idx="minor">
+            <a:schemeClr val="tx1"/>
+          </a:fontRef>
+        </p:style>
+        <p:txBody>
+          <a:bodyPr rtlCol="0" anchor="ctr"/>
+          <a:lstStyle/>
+          <a:p>
+            <a:pPr algn="ctr"/>
+            <a:endParaRPr lang="en-GB"/>
+          </a:p>
+        </p:txBody>
+      </p:sp>
+      <p:sp>
+        <p:nvSpPr>
+          <p:cNvPr id="10" name="Right Brace 9">
+            <a:extLst>
+              <a:ext uri="{FF2B5EF4-FFF2-40B4-BE49-F238E27FC236}">
+                <a16:creationId xmlns:a16="http://schemas.microsoft.com/office/drawing/2014/main" id="{01A528C6-475B-4B0C-B67A-3BDDA46D0C9E}"/>
+              </a:ext>
+            </a:extLst>
+          </p:cNvPr>
+          <p:cNvSpPr/>
+          <p:nvPr/>
+        </p:nvSpPr>
+        <p:spPr>
+          <a:xfrm>
+            <a:off x="7421728" y="3272162"/>
+            <a:ext cx="486139" cy="1072717"/>
+          </a:xfrm>
+          <a:prstGeom prst="rightBrace">
+            <a:avLst>
+              <a:gd name="adj1" fmla="val 8333"/>
+              <a:gd name="adj2" fmla="val 66575"/>
+            </a:avLst>
+          </a:prstGeom>
+          <a:ln>
+            <a:solidFill>
+              <a:srgbClr val="7030A0"/>
+            </a:solidFill>
+          </a:ln>
+        </p:spPr>
+        <p:style>
+          <a:lnRef idx="1">
+            <a:schemeClr val="accent1"/>
+          </a:lnRef>
+          <a:fillRef idx="0">
+            <a:schemeClr val="accent1"/>
+          </a:fillRef>
+          <a:effectRef idx="0">
+            <a:schemeClr val="accent1"/>
+          </a:effectRef>
+          <a:fontRef idx="minor">
+            <a:schemeClr val="tx1"/>
+          </a:fontRef>
+        </p:style>
+        <p:txBody>
+          <a:bodyPr rtlCol="0" anchor="ctr"/>
+          <a:lstStyle/>
+          <a:p>
+            <a:pPr algn="ctr"/>
+            <a:endParaRPr lang="en-GB"/>
+          </a:p>
+        </p:txBody>
+      </p:sp>
+      <p:sp>
+        <p:nvSpPr>
+          <p:cNvPr id="11" name="TextBox 10">
+            <a:extLst>
+              <a:ext uri="{FF2B5EF4-FFF2-40B4-BE49-F238E27FC236}">
+                <a16:creationId xmlns:a16="http://schemas.microsoft.com/office/drawing/2014/main" id="{3AD60D34-3510-4D72-9F52-FD436F181953}"/>
+              </a:ext>
+            </a:extLst>
+          </p:cNvPr>
+          <p:cNvSpPr txBox="1"/>
+          <p:nvPr/>
+        </p:nvSpPr>
+        <p:spPr>
+          <a:xfrm>
+            <a:off x="8008078" y="2834482"/>
+            <a:ext cx="1337610" cy="369332"/>
+          </a:xfrm>
+          <a:prstGeom prst="rect">
+            <a:avLst/>
+          </a:prstGeom>
+          <a:noFill/>
+        </p:spPr>
+        <p:txBody>
+          <a:bodyPr wrap="none" rtlCol="0">
+            <a:spAutoFit/>
+          </a:bodyPr>
+          <a:lstStyle/>
+          <a:p>
+            <a:r>
+              <a:rPr lang="da-DK" dirty="0" err="1"/>
+              <a:t>Knows</a:t>
+            </a:r>
+            <a:r>
+              <a:rPr lang="da-DK" dirty="0"/>
+              <a:t> </a:t>
+            </a:r>
+            <a:r>
+              <a:rPr lang="da-DK" dirty="0" err="1"/>
+              <a:t>DTOs</a:t>
+            </a:r>
+            <a:endParaRPr lang="en-GB" dirty="0"/>
+          </a:p>
+        </p:txBody>
+      </p:sp>
+      <p:sp>
+        <p:nvSpPr>
+          <p:cNvPr id="12" name="TextBox 11">
+            <a:extLst>
+              <a:ext uri="{FF2B5EF4-FFF2-40B4-BE49-F238E27FC236}">
+                <a16:creationId xmlns:a16="http://schemas.microsoft.com/office/drawing/2014/main" id="{8C280AD1-3009-499C-873D-EFB6824ABF4E}"/>
+              </a:ext>
+            </a:extLst>
+          </p:cNvPr>
+          <p:cNvSpPr txBox="1"/>
+          <p:nvPr/>
+        </p:nvSpPr>
+        <p:spPr>
+          <a:xfrm>
+            <a:off x="7970668" y="3783196"/>
+            <a:ext cx="2294090" cy="369332"/>
+          </a:xfrm>
+          <a:prstGeom prst="rect">
+            <a:avLst/>
+          </a:prstGeom>
+          <a:noFill/>
+        </p:spPr>
+        <p:txBody>
+          <a:bodyPr wrap="none" rtlCol="0">
+            <a:spAutoFit/>
+          </a:bodyPr>
+          <a:lstStyle/>
+          <a:p>
+            <a:r>
+              <a:rPr lang="da-DK" dirty="0" err="1"/>
+              <a:t>Knows</a:t>
+            </a:r>
+            <a:r>
+              <a:rPr lang="da-DK" dirty="0"/>
+              <a:t> domain </a:t>
+            </a:r>
+            <a:r>
+              <a:rPr lang="da-DK" dirty="0" err="1"/>
+              <a:t>objects</a:t>
+            </a:r>
+            <a:endParaRPr lang="en-GB" dirty="0"/>
+          </a:p>
+        </p:txBody>
+      </p:sp>
     </p:spTree>
     <p:extLst>
       <p:ext uri="{BB962C8B-B14F-4D97-AF65-F5344CB8AC3E}">
